--- a/Calendario2023/Presentaciones/16_DHCP.pptx
+++ b/Calendario2023/Presentaciones/16_DHCP.pptx
@@ -212,7 +212,7 @@
           <a:p>
             <a:fld id="{2D445F07-8756-451B-A938-0248325FC7BB}" type="datetimeFigureOut">
               <a:rPr lang="es-MX" smtClean="0"/>
-              <a:t>28/05/2023</a:t>
+              <a:t>10/06/2023</a:t>
             </a:fld>
             <a:endParaRPr lang="es-MX" dirty="0"/>
           </a:p>
@@ -1001,7 +1001,7 @@
           <a:p>
             <a:fld id="{5E75A0DC-66C6-4CEC-A5EB-F8C97CEC3796}" type="datetimeFigureOut">
               <a:rPr lang="es-MX" smtClean="0"/>
-              <a:t>28/05/2023</a:t>
+              <a:t>10/06/2023</a:t>
             </a:fld>
             <a:endParaRPr lang="es-MX" dirty="0"/>
           </a:p>
@@ -1171,7 +1171,7 @@
           <a:p>
             <a:fld id="{5E75A0DC-66C6-4CEC-A5EB-F8C97CEC3796}" type="datetimeFigureOut">
               <a:rPr lang="es-MX" smtClean="0"/>
-              <a:t>28/05/2023</a:t>
+              <a:t>10/06/2023</a:t>
             </a:fld>
             <a:endParaRPr lang="es-MX" dirty="0"/>
           </a:p>
@@ -1351,7 +1351,7 @@
           <a:p>
             <a:fld id="{5E75A0DC-66C6-4CEC-A5EB-F8C97CEC3796}" type="datetimeFigureOut">
               <a:rPr lang="es-MX" smtClean="0"/>
-              <a:t>28/05/2023</a:t>
+              <a:t>10/06/2023</a:t>
             </a:fld>
             <a:endParaRPr lang="es-MX" dirty="0"/>
           </a:p>
@@ -1521,7 +1521,7 @@
           <a:p>
             <a:fld id="{5E75A0DC-66C6-4CEC-A5EB-F8C97CEC3796}" type="datetimeFigureOut">
               <a:rPr lang="es-MX" smtClean="0"/>
-              <a:t>28/05/2023</a:t>
+              <a:t>10/06/2023</a:t>
             </a:fld>
             <a:endParaRPr lang="es-MX" dirty="0"/>
           </a:p>
@@ -1767,7 +1767,7 @@
           <a:p>
             <a:fld id="{5E75A0DC-66C6-4CEC-A5EB-F8C97CEC3796}" type="datetimeFigureOut">
               <a:rPr lang="es-MX" smtClean="0"/>
-              <a:t>28/05/2023</a:t>
+              <a:t>10/06/2023</a:t>
             </a:fld>
             <a:endParaRPr lang="es-MX" dirty="0"/>
           </a:p>
@@ -2055,7 +2055,7 @@
           <a:p>
             <a:fld id="{5E75A0DC-66C6-4CEC-A5EB-F8C97CEC3796}" type="datetimeFigureOut">
               <a:rPr lang="es-MX" smtClean="0"/>
-              <a:t>28/05/2023</a:t>
+              <a:t>10/06/2023</a:t>
             </a:fld>
             <a:endParaRPr lang="es-MX" dirty="0"/>
           </a:p>
@@ -2477,7 +2477,7 @@
           <a:p>
             <a:fld id="{5E75A0DC-66C6-4CEC-A5EB-F8C97CEC3796}" type="datetimeFigureOut">
               <a:rPr lang="es-MX" smtClean="0"/>
-              <a:t>28/05/2023</a:t>
+              <a:t>10/06/2023</a:t>
             </a:fld>
             <a:endParaRPr lang="es-MX" dirty="0"/>
           </a:p>
@@ -2595,7 +2595,7 @@
           <a:p>
             <a:fld id="{5E75A0DC-66C6-4CEC-A5EB-F8C97CEC3796}" type="datetimeFigureOut">
               <a:rPr lang="es-MX" smtClean="0"/>
-              <a:t>28/05/2023</a:t>
+              <a:t>10/06/2023</a:t>
             </a:fld>
             <a:endParaRPr lang="es-MX" dirty="0"/>
           </a:p>
@@ -2690,7 +2690,7 @@
           <a:p>
             <a:fld id="{5E75A0DC-66C6-4CEC-A5EB-F8C97CEC3796}" type="datetimeFigureOut">
               <a:rPr lang="es-MX" smtClean="0"/>
-              <a:t>28/05/2023</a:t>
+              <a:t>10/06/2023</a:t>
             </a:fld>
             <a:endParaRPr lang="es-MX" dirty="0"/>
           </a:p>
@@ -2967,7 +2967,7 @@
           <a:p>
             <a:fld id="{5E75A0DC-66C6-4CEC-A5EB-F8C97CEC3796}" type="datetimeFigureOut">
               <a:rPr lang="es-MX" smtClean="0"/>
-              <a:t>28/05/2023</a:t>
+              <a:t>10/06/2023</a:t>
             </a:fld>
             <a:endParaRPr lang="es-MX" dirty="0"/>
           </a:p>
@@ -3220,7 +3220,7 @@
           <a:p>
             <a:fld id="{5E75A0DC-66C6-4CEC-A5EB-F8C97CEC3796}" type="datetimeFigureOut">
               <a:rPr lang="es-MX" smtClean="0"/>
-              <a:t>28/05/2023</a:t>
+              <a:t>10/06/2023</a:t>
             </a:fld>
             <a:endParaRPr lang="es-MX" dirty="0"/>
           </a:p>
@@ -3433,7 +3433,7 @@
           <a:p>
             <a:fld id="{5E75A0DC-66C6-4CEC-A5EB-F8C97CEC3796}" type="datetimeFigureOut">
               <a:rPr lang="es-MX" smtClean="0"/>
-              <a:t>28/05/2023</a:t>
+              <a:t>10/06/2023</a:t>
             </a:fld>
             <a:endParaRPr lang="es-MX" dirty="0"/>
           </a:p>
@@ -5736,7 +5736,7 @@
         </p:nvSpPr>
         <p:spPr bwMode="auto">
           <a:xfrm>
-            <a:off x="625760" y="1340768"/>
+            <a:off x="571500" y="1268760"/>
             <a:ext cx="8001000" cy="1677895"/>
           </a:xfrm>
           <a:prstGeom prst="rect">
@@ -5869,7 +5869,7 @@
             </a:lvl9pPr>
           </a:lstStyle>
           <a:p>
-            <a:pPr marL="342900" indent="-342900">
+            <a:pPr marL="342900" indent="-342900" algn="just">
               <a:lnSpc>
                 <a:spcPct val="150000"/>
               </a:lnSpc>
@@ -6150,8 +6150,8 @@
         </p:nvSpPr>
         <p:spPr bwMode="auto">
           <a:xfrm>
-            <a:off x="625760" y="3140968"/>
-            <a:ext cx="8001000" cy="2047227"/>
+            <a:off x="571500" y="3068960"/>
+            <a:ext cx="8001000" cy="3124445"/>
           </a:xfrm>
           <a:prstGeom prst="rect">
             <a:avLst/>
@@ -6283,7 +6283,7 @@
             </a:lvl9pPr>
           </a:lstStyle>
           <a:p>
-            <a:pPr marL="342900" indent="-342900">
+            <a:pPr marL="342900" indent="-342900" algn="just">
               <a:lnSpc>
                 <a:spcPct val="150000"/>
               </a:lnSpc>
@@ -6294,7 +6294,7 @@
               <a:buAutoNum type="arabicPeriod" startAt="2"/>
             </a:pPr>
             <a:r>
-              <a:rPr lang="es-MX" sz="1600" dirty="0">
+              <a:rPr lang="es-ES" sz="1600" dirty="0">
                 <a:solidFill>
                   <a:schemeClr val="bg2">
                     <a:lumMod val="25000"/>
@@ -6303,8 +6303,53 @@
                 <a:latin typeface="Arial" panose="020B0604020202020204" pitchFamily="34" charset="0"/>
                 <a:cs typeface="Arial" panose="020B0604020202020204" pitchFamily="34" charset="0"/>
               </a:rPr>
-              <a:t>Agregar configuración importante al DHCP</a:t>
-            </a:r>
+              <a:t>Especifica la dirección IP del </a:t>
+            </a:r>
+            <a:r>
+              <a:rPr lang="es-ES" sz="1600" b="1" dirty="0">
+                <a:solidFill>
+                  <a:schemeClr val="bg2">
+                    <a:lumMod val="25000"/>
+                  </a:schemeClr>
+                </a:solidFill>
+                <a:latin typeface="Arial" panose="020B0604020202020204" pitchFamily="34" charset="0"/>
+                <a:cs typeface="Arial" panose="020B0604020202020204" pitchFamily="34" charset="0"/>
+              </a:rPr>
+              <a:t>default-</a:t>
+            </a:r>
+            <a:r>
+              <a:rPr lang="es-ES" sz="1600" b="1" dirty="0" err="1">
+                <a:solidFill>
+                  <a:schemeClr val="bg2">
+                    <a:lumMod val="25000"/>
+                  </a:schemeClr>
+                </a:solidFill>
+                <a:latin typeface="Arial" panose="020B0604020202020204" pitchFamily="34" charset="0"/>
+                <a:cs typeface="Arial" panose="020B0604020202020204" pitchFamily="34" charset="0"/>
+              </a:rPr>
+              <a:t>router</a:t>
+            </a:r>
+            <a:r>
+              <a:rPr lang="es-ES" sz="1600" dirty="0">
+                <a:solidFill>
+                  <a:schemeClr val="bg2">
+                    <a:lumMod val="25000"/>
+                  </a:schemeClr>
+                </a:solidFill>
+                <a:latin typeface="Arial" panose="020B0604020202020204" pitchFamily="34" charset="0"/>
+                <a:cs typeface="Arial" panose="020B0604020202020204" pitchFamily="34" charset="0"/>
+              </a:rPr>
+              <a:t>, es decir, la dirección IP de la interface del ruteador que entregará las direcciones IP dinámicas.</a:t>
+            </a:r>
+            <a:endParaRPr lang="es-MX" sz="1600" dirty="0">
+              <a:solidFill>
+                <a:schemeClr val="bg2">
+                  <a:lumMod val="25000"/>
+                </a:schemeClr>
+              </a:solidFill>
+              <a:latin typeface="Arial" panose="020B0604020202020204" pitchFamily="34" charset="0"/>
+              <a:cs typeface="Arial" panose="020B0604020202020204" pitchFamily="34" charset="0"/>
+            </a:endParaRPr>
           </a:p>
           <a:p>
             <a:pPr lvl="1">
@@ -6313,7 +6358,7 @@
               </a:lnSpc>
             </a:pPr>
             <a:r>
-              <a:rPr lang="es-MX" sz="1600" b="1" dirty="0" err="1">
+              <a:rPr lang="es-MX" sz="1600" b="1" dirty="0">
                 <a:solidFill>
                   <a:schemeClr val="bg2">
                     <a:lumMod val="25000"/>
@@ -6322,10 +6367,10 @@
                 <a:latin typeface="Arial" panose="020B0604020202020204" pitchFamily="34" charset="0"/>
                 <a:cs typeface="Arial" panose="020B0604020202020204" pitchFamily="34" charset="0"/>
               </a:rPr>
-              <a:t>dns</a:t>
-            </a:r>
-            <a:r>
-              <a:rPr lang="es-MX" sz="1600" b="1" dirty="0">
+              <a:t>default-</a:t>
+            </a:r>
+            <a:r>
+              <a:rPr lang="es-MX" sz="1600" b="1" dirty="0" err="1">
                 <a:solidFill>
                   <a:schemeClr val="bg2">
                     <a:lumMod val="25000"/>
@@ -6334,7 +6379,7 @@
                 <a:latin typeface="Arial" panose="020B0604020202020204" pitchFamily="34" charset="0"/>
                 <a:cs typeface="Arial" panose="020B0604020202020204" pitchFamily="34" charset="0"/>
               </a:rPr>
-              <a:t>-server</a:t>
+              <a:t>router</a:t>
             </a:r>
             <a:r>
               <a:rPr lang="es-MX" sz="1600" dirty="0">
@@ -6360,18 +6405,15 @@
               </a:rPr>
               <a:t>dirIP</a:t>
             </a:r>
-            <a:r>
-              <a:rPr lang="es-MX" sz="1600" dirty="0">
-                <a:solidFill>
-                  <a:schemeClr val="bg2">
-                    <a:lumMod val="25000"/>
-                  </a:schemeClr>
-                </a:solidFill>
-                <a:latin typeface="Arial" panose="020B0604020202020204" pitchFamily="34" charset="0"/>
-                <a:cs typeface="Arial" panose="020B0604020202020204" pitchFamily="34" charset="0"/>
-              </a:rPr>
-              <a:t>-Server</a:t>
-            </a:r>
+            <a:endParaRPr lang="es-MX" sz="1600" dirty="0">
+              <a:solidFill>
+                <a:schemeClr val="bg2">
+                  <a:lumMod val="25000"/>
+                </a:schemeClr>
+              </a:solidFill>
+              <a:latin typeface="Arial" panose="020B0604020202020204" pitchFamily="34" charset="0"/>
+              <a:cs typeface="Arial" panose="020B0604020202020204" pitchFamily="34" charset="0"/>
+            </a:endParaRPr>
           </a:p>
           <a:p>
             <a:pPr lvl="1">
@@ -6379,8 +6421,29 @@
                 <a:spcPct val="150000"/>
               </a:lnSpc>
             </a:pPr>
-            <a:r>
-              <a:rPr lang="es-MX" sz="1600" b="1" dirty="0">
+            <a:endParaRPr lang="es-MX" sz="800" dirty="0">
+              <a:solidFill>
+                <a:schemeClr val="bg2">
+                  <a:lumMod val="25000"/>
+                </a:schemeClr>
+              </a:solidFill>
+              <a:latin typeface="Arial" panose="020B0604020202020204" pitchFamily="34" charset="0"/>
+              <a:cs typeface="Arial" panose="020B0604020202020204" pitchFamily="34" charset="0"/>
+            </a:endParaRPr>
+          </a:p>
+          <a:p>
+            <a:pPr marL="342900" lvl="1" indent="-342900">
+              <a:lnSpc>
+                <a:spcPct val="150000"/>
+              </a:lnSpc>
+              <a:spcAft>
+                <a:spcPts val="1200"/>
+              </a:spcAft>
+              <a:buFont typeface="+mj-lt"/>
+              <a:buAutoNum type="arabicPeriod" startAt="3"/>
+            </a:pPr>
+            <a:r>
+              <a:rPr lang="es-MX" sz="1600" dirty="0">
                 <a:solidFill>
                   <a:schemeClr val="bg2">
                     <a:lumMod val="25000"/>
@@ -6389,8 +6452,15 @@
                 <a:latin typeface="Arial" panose="020B0604020202020204" pitchFamily="34" charset="0"/>
                 <a:cs typeface="Arial" panose="020B0604020202020204" pitchFamily="34" charset="0"/>
               </a:rPr>
-              <a:t>default-</a:t>
-            </a:r>
+              <a:t>Agregar configuración importante al DHCP</a:t>
+            </a:r>
+          </a:p>
+          <a:p>
+            <a:pPr lvl="1">
+              <a:lnSpc>
+                <a:spcPct val="150000"/>
+              </a:lnSpc>
+            </a:pPr>
             <a:r>
               <a:rPr lang="es-MX" sz="1600" b="1" dirty="0" err="1">
                 <a:solidFill>
@@ -6401,10 +6471,10 @@
                 <a:latin typeface="Arial" panose="020B0604020202020204" pitchFamily="34" charset="0"/>
                 <a:cs typeface="Arial" panose="020B0604020202020204" pitchFamily="34" charset="0"/>
               </a:rPr>
-              <a:t>router</a:t>
-            </a:r>
-            <a:r>
-              <a:rPr lang="es-MX" sz="1600" dirty="0">
+              <a:t>dns</a:t>
+            </a:r>
+            <a:r>
+              <a:rPr lang="es-MX" sz="1600" b="1" dirty="0">
                 <a:solidFill>
                   <a:schemeClr val="bg2">
                     <a:lumMod val="25000"/>
@@ -6413,10 +6483,10 @@
                 <a:latin typeface="Arial" panose="020B0604020202020204" pitchFamily="34" charset="0"/>
                 <a:cs typeface="Arial" panose="020B0604020202020204" pitchFamily="34" charset="0"/>
               </a:rPr>
-              <a:t> </a:t>
-            </a:r>
-            <a:r>
-              <a:rPr lang="es-MX" sz="1600" dirty="0" err="1">
+              <a:t>-server</a:t>
+            </a:r>
+            <a:r>
+              <a:rPr lang="es-MX" sz="1600" dirty="0">
                 <a:solidFill>
                   <a:schemeClr val="bg2">
                     <a:lumMod val="25000"/>
@@ -6425,9 +6495,33 @@
                 <a:latin typeface="Arial" panose="020B0604020202020204" pitchFamily="34" charset="0"/>
                 <a:cs typeface="Arial" panose="020B0604020202020204" pitchFamily="34" charset="0"/>
               </a:rPr>
+              <a:t> </a:t>
+            </a:r>
+            <a:r>
+              <a:rPr lang="es-MX" sz="1600" dirty="0" err="1">
+                <a:solidFill>
+                  <a:schemeClr val="bg2">
+                    <a:lumMod val="25000"/>
+                  </a:schemeClr>
+                </a:solidFill>
+                <a:latin typeface="Arial" panose="020B0604020202020204" pitchFamily="34" charset="0"/>
+                <a:cs typeface="Arial" panose="020B0604020202020204" pitchFamily="34" charset="0"/>
+              </a:rPr>
               <a:t>dirIP</a:t>
             </a:r>
-            <a:endParaRPr lang="es-MX" sz="1600" dirty="0">
+            <a:r>
+              <a:rPr lang="es-MX" sz="1600" dirty="0">
+                <a:solidFill>
+                  <a:schemeClr val="bg2">
+                    <a:lumMod val="25000"/>
+                  </a:schemeClr>
+                </a:solidFill>
+                <a:latin typeface="Arial" panose="020B0604020202020204" pitchFamily="34" charset="0"/>
+                <a:cs typeface="Arial" panose="020B0604020202020204" pitchFamily="34" charset="0"/>
+              </a:rPr>
+              <a:t>-Server</a:t>
+            </a:r>
+            <a:endParaRPr lang="es-MX" sz="1600" b="1" dirty="0">
               <a:solidFill>
                 <a:schemeClr val="bg2">
                   <a:lumMod val="25000"/>
